--- a/発表用完成版/制作発表.pptx
+++ b/発表用完成版/制作発表.pptx
@@ -107,6 +107,11 @@
       </a:defRPr>
     </a:lvl9pPr>
   </p:defaultTextStyle>
+  <p:extLst>
+    <p:ext uri="{EFAFB233-063F-42B5-8137-9DF3F51BA10A}">
+      <p15:sldGuideLst xmlns:p15="http://schemas.microsoft.com/office/powerpoint/2012/main"/>
+    </p:ext>
+  </p:extLst>
 </p:presentation>
 </file>
 
@@ -257,7 +262,7 @@
           <a:p>
             <a:fld id="{BABBB168-F9E6-47D3-9D6A-C84EE83B857C}" type="datetimeFigureOut">
               <a:rPr kumimoji="1" lang="ja-JP" altLang="en-US" smtClean="0"/>
-              <a:t>2024/4/4</a:t>
+              <a:t>2024/4/5</a:t>
             </a:fld>
             <a:endParaRPr kumimoji="1" lang="ja-JP" altLang="en-US"/>
           </a:p>
@@ -487,7 +492,7 @@
           <a:p>
             <a:fld id="{BABBB168-F9E6-47D3-9D6A-C84EE83B857C}" type="datetimeFigureOut">
               <a:rPr kumimoji="1" lang="ja-JP" altLang="en-US" smtClean="0"/>
-              <a:t>2024/4/4</a:t>
+              <a:t>2024/4/5</a:t>
             </a:fld>
             <a:endParaRPr kumimoji="1" lang="ja-JP" altLang="en-US"/>
           </a:p>
@@ -727,7 +732,7 @@
           <a:p>
             <a:fld id="{BABBB168-F9E6-47D3-9D6A-C84EE83B857C}" type="datetimeFigureOut">
               <a:rPr kumimoji="1" lang="ja-JP" altLang="en-US" smtClean="0"/>
-              <a:t>2024/4/4</a:t>
+              <a:t>2024/4/5</a:t>
             </a:fld>
             <a:endParaRPr kumimoji="1" lang="ja-JP" altLang="en-US"/>
           </a:p>
@@ -957,7 +962,7 @@
           <a:p>
             <a:fld id="{BABBB168-F9E6-47D3-9D6A-C84EE83B857C}" type="datetimeFigureOut">
               <a:rPr kumimoji="1" lang="ja-JP" altLang="en-US" smtClean="0"/>
-              <a:t>2024/4/4</a:t>
+              <a:t>2024/4/5</a:t>
             </a:fld>
             <a:endParaRPr kumimoji="1" lang="ja-JP" altLang="en-US"/>
           </a:p>
@@ -1232,7 +1237,7 @@
           <a:p>
             <a:fld id="{BABBB168-F9E6-47D3-9D6A-C84EE83B857C}" type="datetimeFigureOut">
               <a:rPr kumimoji="1" lang="ja-JP" altLang="en-US" smtClean="0"/>
-              <a:t>2024/4/4</a:t>
+              <a:t>2024/4/5</a:t>
             </a:fld>
             <a:endParaRPr kumimoji="1" lang="ja-JP" altLang="en-US"/>
           </a:p>
@@ -1561,7 +1566,7 @@
           <a:p>
             <a:fld id="{BABBB168-F9E6-47D3-9D6A-C84EE83B857C}" type="datetimeFigureOut">
               <a:rPr kumimoji="1" lang="ja-JP" altLang="en-US" smtClean="0"/>
-              <a:t>2024/4/4</a:t>
+              <a:t>2024/4/5</a:t>
             </a:fld>
             <a:endParaRPr kumimoji="1" lang="ja-JP" altLang="en-US"/>
           </a:p>
@@ -2037,7 +2042,7 @@
           <a:p>
             <a:fld id="{BABBB168-F9E6-47D3-9D6A-C84EE83B857C}" type="datetimeFigureOut">
               <a:rPr kumimoji="1" lang="ja-JP" altLang="en-US" smtClean="0"/>
-              <a:t>2024/4/4</a:t>
+              <a:t>2024/4/5</a:t>
             </a:fld>
             <a:endParaRPr kumimoji="1" lang="ja-JP" altLang="en-US"/>
           </a:p>
@@ -2178,7 +2183,7 @@
           <a:p>
             <a:fld id="{BABBB168-F9E6-47D3-9D6A-C84EE83B857C}" type="datetimeFigureOut">
               <a:rPr kumimoji="1" lang="ja-JP" altLang="en-US" smtClean="0"/>
-              <a:t>2024/4/4</a:t>
+              <a:t>2024/4/5</a:t>
             </a:fld>
             <a:endParaRPr kumimoji="1" lang="ja-JP" altLang="en-US"/>
           </a:p>
@@ -2291,7 +2296,7 @@
           <a:p>
             <a:fld id="{BABBB168-F9E6-47D3-9D6A-C84EE83B857C}" type="datetimeFigureOut">
               <a:rPr kumimoji="1" lang="ja-JP" altLang="en-US" smtClean="0"/>
-              <a:t>2024/4/4</a:t>
+              <a:t>2024/4/5</a:t>
             </a:fld>
             <a:endParaRPr kumimoji="1" lang="ja-JP" altLang="en-US"/>
           </a:p>
@@ -2634,7 +2639,7 @@
           <a:p>
             <a:fld id="{BABBB168-F9E6-47D3-9D6A-C84EE83B857C}" type="datetimeFigureOut">
               <a:rPr kumimoji="1" lang="ja-JP" altLang="en-US" smtClean="0"/>
-              <a:t>2024/4/4</a:t>
+              <a:t>2024/4/5</a:t>
             </a:fld>
             <a:endParaRPr kumimoji="1" lang="ja-JP" altLang="en-US"/>
           </a:p>
@@ -2922,7 +2927,7 @@
           <a:p>
             <a:fld id="{BABBB168-F9E6-47D3-9D6A-C84EE83B857C}" type="datetimeFigureOut">
               <a:rPr kumimoji="1" lang="ja-JP" altLang="en-US" smtClean="0"/>
-              <a:t>2024/4/4</a:t>
+              <a:t>2024/4/5</a:t>
             </a:fld>
             <a:endParaRPr kumimoji="1" lang="ja-JP" altLang="en-US"/>
           </a:p>
@@ -3195,7 +3200,7 @@
           <a:p>
             <a:fld id="{BABBB168-F9E6-47D3-9D6A-C84EE83B857C}" type="datetimeFigureOut">
               <a:rPr kumimoji="1" lang="ja-JP" altLang="en-US" smtClean="0"/>
-              <a:t>2024/4/4</a:t>
+              <a:t>2024/4/5</a:t>
             </a:fld>
             <a:endParaRPr kumimoji="1" lang="ja-JP" altLang="en-US"/>
           </a:p>
@@ -4919,12 +4924,23 @@
             <a:endParaRPr lang="en-US" altLang="ja-JP" sz="2000" dirty="0"/>
           </a:p>
           <a:p>
+            <a:r>
+              <a:rPr lang="ja-JP" altLang="en-US" sz="2000" dirty="0"/>
+              <a:t>複数で利用する際のセキュリティ対策</a:t>
+            </a:r>
             <a:endParaRPr lang="en-US" altLang="ja-JP" sz="2000" dirty="0"/>
           </a:p>
           <a:p>
+            <a:endParaRPr lang="en-US" altLang="ja-JP" sz="2000"/>
+          </a:p>
+          <a:p>
+            <a:r>
+              <a:rPr lang="ja-JP" altLang="en-US" sz="2000"/>
+              <a:t>メール</a:t>
+            </a:r>
             <a:r>
               <a:rPr lang="ja-JP" altLang="en-US" sz="2000" dirty="0"/>
-              <a:t>メールの送信や誤字脱字の修正、定型文が使えたらより良いものになりそう</a:t>
+              <a:t>の送信や誤字脱字の修正、定型文が使えたらより良いものになりそう</a:t>
             </a:r>
             <a:endParaRPr lang="en-US" altLang="ja-JP" sz="2000" dirty="0"/>
           </a:p>
